--- a/Projekat prezentacija.pptx
+++ b/Projekat prezentacija.pptx
@@ -5,7 +5,7 @@
     <p:sldMasterId id="2147483648" r:id="rId1"/>
   </p:sldMasterIdLst>
   <p:notesMasterIdLst>
-    <p:notesMasterId r:id="rId14"/>
+    <p:notesMasterId r:id="rId16"/>
   </p:notesMasterIdLst>
   <p:sldIdLst>
     <p:sldId id="256" r:id="rId2"/>
@@ -14,12 +14,14 @@
     <p:sldId id="258" r:id="rId5"/>
     <p:sldId id="262" r:id="rId6"/>
     <p:sldId id="260" r:id="rId7"/>
-    <p:sldId id="261" r:id="rId8"/>
-    <p:sldId id="264" r:id="rId9"/>
-    <p:sldId id="263" r:id="rId10"/>
-    <p:sldId id="265" r:id="rId11"/>
-    <p:sldId id="266" r:id="rId12"/>
-    <p:sldId id="267" r:id="rId13"/>
+    <p:sldId id="268" r:id="rId8"/>
+    <p:sldId id="269" r:id="rId9"/>
+    <p:sldId id="261" r:id="rId10"/>
+    <p:sldId id="264" r:id="rId11"/>
+    <p:sldId id="263" r:id="rId12"/>
+    <p:sldId id="265" r:id="rId13"/>
+    <p:sldId id="266" r:id="rId14"/>
+    <p:sldId id="267" r:id="rId15"/>
   </p:sldIdLst>
   <p:sldSz cx="9144000" cy="6858000" type="screen4x3"/>
   <p:notesSz cx="6858000" cy="9144000"/>
@@ -203,7 +205,8 @@
           <a:p>
             <a:fld id="{C223FBB4-6832-4FA6-9278-C158520CED3D}" type="datetimeFigureOut">
               <a:rPr lang="en-US" smtClean="0"/>
-              <a:t>12/14/2015</a:t>
+              <a:pPr/>
+              <a:t>12/16/2015</a:t>
             </a:fld>
             <a:endParaRPr lang="en-US"/>
           </a:p>
@@ -364,6 +367,7 @@
           <a:p>
             <a:fld id="{BF308E57-D8EA-4C7D-AEBE-8F1CB2D286AC}" type="slidenum">
               <a:rPr lang="en-US" smtClean="0"/>
+              <a:pPr/>
               <a:t>‹#›</a:t>
             </a:fld>
             <a:endParaRPr lang="en-US"/>
@@ -535,6 +539,7 @@
           <a:p>
             <a:fld id="{BF308E57-D8EA-4C7D-AEBE-8F1CB2D286AC}" type="slidenum">
               <a:rPr lang="en-US" smtClean="0"/>
+              <a:pPr/>
               <a:t>1</a:t>
             </a:fld>
             <a:endParaRPr lang="en-US"/>
@@ -730,7 +735,8 @@
           <a:p>
             <a:fld id="{FD97A275-3DC4-45AC-90F8-BCF9E554207D}" type="datetimeFigureOut">
               <a:rPr lang="en-US" smtClean="0"/>
-              <a:t>12/14/2015</a:t>
+              <a:pPr/>
+              <a:t>12/16/2015</a:t>
             </a:fld>
             <a:endParaRPr lang="en-US"/>
           </a:p>
@@ -772,6 +778,7 @@
           <a:p>
             <a:fld id="{DADDAF63-7273-48B5-9CD3-E57B1B7C713C}" type="slidenum">
               <a:rPr lang="en-US" smtClean="0"/>
+              <a:pPr/>
               <a:t>‹#›</a:t>
             </a:fld>
             <a:endParaRPr lang="en-US"/>
@@ -895,7 +902,8 @@
           <a:p>
             <a:fld id="{FD97A275-3DC4-45AC-90F8-BCF9E554207D}" type="datetimeFigureOut">
               <a:rPr lang="en-US" smtClean="0"/>
-              <a:t>12/14/2015</a:t>
+              <a:pPr/>
+              <a:t>12/16/2015</a:t>
             </a:fld>
             <a:endParaRPr lang="en-US"/>
           </a:p>
@@ -937,6 +945,7 @@
           <a:p>
             <a:fld id="{DADDAF63-7273-48B5-9CD3-E57B1B7C713C}" type="slidenum">
               <a:rPr lang="en-US" smtClean="0"/>
+              <a:pPr/>
               <a:t>‹#›</a:t>
             </a:fld>
             <a:endParaRPr lang="en-US"/>
@@ -1070,7 +1079,8 @@
           <a:p>
             <a:fld id="{FD97A275-3DC4-45AC-90F8-BCF9E554207D}" type="datetimeFigureOut">
               <a:rPr lang="en-US" smtClean="0"/>
-              <a:t>12/14/2015</a:t>
+              <a:pPr/>
+              <a:t>12/16/2015</a:t>
             </a:fld>
             <a:endParaRPr lang="en-US"/>
           </a:p>
@@ -1112,6 +1122,7 @@
           <a:p>
             <a:fld id="{DADDAF63-7273-48B5-9CD3-E57B1B7C713C}" type="slidenum">
               <a:rPr lang="en-US" smtClean="0"/>
+              <a:pPr/>
               <a:t>‹#›</a:t>
             </a:fld>
             <a:endParaRPr lang="en-US"/>
@@ -1235,7 +1246,8 @@
           <a:p>
             <a:fld id="{FD97A275-3DC4-45AC-90F8-BCF9E554207D}" type="datetimeFigureOut">
               <a:rPr lang="en-US" smtClean="0"/>
-              <a:t>12/14/2015</a:t>
+              <a:pPr/>
+              <a:t>12/16/2015</a:t>
             </a:fld>
             <a:endParaRPr lang="en-US"/>
           </a:p>
@@ -1277,6 +1289,7 @@
           <a:p>
             <a:fld id="{DADDAF63-7273-48B5-9CD3-E57B1B7C713C}" type="slidenum">
               <a:rPr lang="en-US" smtClean="0"/>
+              <a:pPr/>
               <a:t>‹#›</a:t>
             </a:fld>
             <a:endParaRPr lang="en-US"/>
@@ -1476,7 +1489,8 @@
           <a:p>
             <a:fld id="{FD97A275-3DC4-45AC-90F8-BCF9E554207D}" type="datetimeFigureOut">
               <a:rPr lang="en-US" smtClean="0"/>
-              <a:t>12/14/2015</a:t>
+              <a:pPr/>
+              <a:t>12/16/2015</a:t>
             </a:fld>
             <a:endParaRPr lang="en-US"/>
           </a:p>
@@ -1518,6 +1532,7 @@
           <a:p>
             <a:fld id="{DADDAF63-7273-48B5-9CD3-E57B1B7C713C}" type="slidenum">
               <a:rPr lang="en-US" smtClean="0"/>
+              <a:pPr/>
               <a:t>‹#›</a:t>
             </a:fld>
             <a:endParaRPr lang="en-US"/>
@@ -1759,7 +1774,8 @@
           <a:p>
             <a:fld id="{FD97A275-3DC4-45AC-90F8-BCF9E554207D}" type="datetimeFigureOut">
               <a:rPr lang="en-US" smtClean="0"/>
-              <a:t>12/14/2015</a:t>
+              <a:pPr/>
+              <a:t>12/16/2015</a:t>
             </a:fld>
             <a:endParaRPr lang="en-US"/>
           </a:p>
@@ -1801,6 +1817,7 @@
           <a:p>
             <a:fld id="{DADDAF63-7273-48B5-9CD3-E57B1B7C713C}" type="slidenum">
               <a:rPr lang="en-US" smtClean="0"/>
+              <a:pPr/>
               <a:t>‹#›</a:t>
             </a:fld>
             <a:endParaRPr lang="en-US"/>
@@ -2176,7 +2193,8 @@
           <a:p>
             <a:fld id="{FD97A275-3DC4-45AC-90F8-BCF9E554207D}" type="datetimeFigureOut">
               <a:rPr lang="en-US" smtClean="0"/>
-              <a:t>12/14/2015</a:t>
+              <a:pPr/>
+              <a:t>12/16/2015</a:t>
             </a:fld>
             <a:endParaRPr lang="en-US"/>
           </a:p>
@@ -2218,6 +2236,7 @@
           <a:p>
             <a:fld id="{DADDAF63-7273-48B5-9CD3-E57B1B7C713C}" type="slidenum">
               <a:rPr lang="en-US" smtClean="0"/>
+              <a:pPr/>
               <a:t>‹#›</a:t>
             </a:fld>
             <a:endParaRPr lang="en-US"/>
@@ -2289,7 +2308,8 @@
           <a:p>
             <a:fld id="{FD97A275-3DC4-45AC-90F8-BCF9E554207D}" type="datetimeFigureOut">
               <a:rPr lang="en-US" smtClean="0"/>
-              <a:t>12/14/2015</a:t>
+              <a:pPr/>
+              <a:t>12/16/2015</a:t>
             </a:fld>
             <a:endParaRPr lang="en-US"/>
           </a:p>
@@ -2331,6 +2351,7 @@
           <a:p>
             <a:fld id="{DADDAF63-7273-48B5-9CD3-E57B1B7C713C}" type="slidenum">
               <a:rPr lang="en-US" smtClean="0"/>
+              <a:pPr/>
               <a:t>‹#›</a:t>
             </a:fld>
             <a:endParaRPr lang="en-US"/>
@@ -2379,7 +2400,8 @@
           <a:p>
             <a:fld id="{FD97A275-3DC4-45AC-90F8-BCF9E554207D}" type="datetimeFigureOut">
               <a:rPr lang="en-US" smtClean="0"/>
-              <a:t>12/14/2015</a:t>
+              <a:pPr/>
+              <a:t>12/16/2015</a:t>
             </a:fld>
             <a:endParaRPr lang="en-US"/>
           </a:p>
@@ -2421,6 +2443,7 @@
           <a:p>
             <a:fld id="{DADDAF63-7273-48B5-9CD3-E57B1B7C713C}" type="slidenum">
               <a:rPr lang="en-US" smtClean="0"/>
+              <a:pPr/>
               <a:t>‹#›</a:t>
             </a:fld>
             <a:endParaRPr lang="en-US"/>
@@ -2651,7 +2674,8 @@
           <a:p>
             <a:fld id="{FD97A275-3DC4-45AC-90F8-BCF9E554207D}" type="datetimeFigureOut">
               <a:rPr lang="en-US" smtClean="0"/>
-              <a:t>12/14/2015</a:t>
+              <a:pPr/>
+              <a:t>12/16/2015</a:t>
             </a:fld>
             <a:endParaRPr lang="en-US"/>
           </a:p>
@@ -2693,6 +2717,7 @@
           <a:p>
             <a:fld id="{DADDAF63-7273-48B5-9CD3-E57B1B7C713C}" type="slidenum">
               <a:rPr lang="en-US" smtClean="0"/>
+              <a:pPr/>
               <a:t>‹#›</a:t>
             </a:fld>
             <a:endParaRPr lang="en-US"/>
@@ -2899,7 +2924,8 @@
           <a:p>
             <a:fld id="{FD97A275-3DC4-45AC-90F8-BCF9E554207D}" type="datetimeFigureOut">
               <a:rPr lang="en-US" smtClean="0"/>
-              <a:t>12/14/2015</a:t>
+              <a:pPr/>
+              <a:t>12/16/2015</a:t>
             </a:fld>
             <a:endParaRPr lang="en-US"/>
           </a:p>
@@ -2941,6 +2967,7 @@
           <a:p>
             <a:fld id="{DADDAF63-7273-48B5-9CD3-E57B1B7C713C}" type="slidenum">
               <a:rPr lang="en-US" smtClean="0"/>
+              <a:pPr/>
               <a:t>‹#›</a:t>
             </a:fld>
             <a:endParaRPr lang="en-US"/>
@@ -3107,7 +3134,8 @@
           <a:p>
             <a:fld id="{FD97A275-3DC4-45AC-90F8-BCF9E554207D}" type="datetimeFigureOut">
               <a:rPr lang="en-US" smtClean="0"/>
-              <a:t>12/14/2015</a:t>
+              <a:pPr/>
+              <a:t>12/16/2015</a:t>
             </a:fld>
             <a:endParaRPr lang="en-US"/>
           </a:p>
@@ -3185,6 +3213,7 @@
           <a:p>
             <a:fld id="{DADDAF63-7273-48B5-9CD3-E57B1B7C713C}" type="slidenum">
               <a:rPr lang="en-US" smtClean="0"/>
+              <a:pPr/>
               <a:t>‹#›</a:t>
             </a:fld>
             <a:endParaRPr lang="en-US"/>
@@ -3651,6 +3680,193 @@
           <a:p>
             <a:r>
               <a:rPr lang="sr-Latn-RS" dirty="0" smtClean="0"/>
+              <a:t>MNIST dataset</a:t>
+            </a:r>
+            <a:endParaRPr lang="en-US" dirty="0"/>
+          </a:p>
+        </p:txBody>
+      </p:sp>
+      <p:pic>
+        <p:nvPicPr>
+          <p:cNvPr id="4" name="Content Placeholder 3" descr="mnistdigits.gif"/>
+          <p:cNvPicPr>
+            <a:picLocks noGrp="1" noChangeAspect="1"/>
+          </p:cNvPicPr>
+          <p:nvPr>
+            <p:ph idx="1"/>
+          </p:nvPr>
+        </p:nvPicPr>
+        <p:blipFill>
+          <a:blip r:embed="rId2" cstate="print"/>
+          <a:stretch>
+            <a:fillRect/>
+          </a:stretch>
+        </p:blipFill>
+        <p:spPr>
+          <a:xfrm>
+            <a:off x="1790700" y="2020094"/>
+            <a:ext cx="5562600" cy="3686175"/>
+          </a:xfrm>
+        </p:spPr>
+      </p:pic>
+    </p:spTree>
+  </p:cSld>
+  <p:clrMapOvr>
+    <a:masterClrMapping/>
+  </p:clrMapOvr>
+  <p:timing>
+    <p:tnLst>
+      <p:par>
+        <p:cTn id="1" dur="indefinite" restart="never" nodeType="tmRoot"/>
+      </p:par>
+    </p:tnLst>
+  </p:timing>
+</p:sld>
+</file>
+
+<file path=ppt/slides/slide11.xml><?xml version="1.0" encoding="utf-8"?>
+<p:sld xmlns:a="http://schemas.openxmlformats.org/drawingml/2006/main" xmlns:r="http://schemas.openxmlformats.org/officeDocument/2006/relationships" xmlns:p="http://schemas.openxmlformats.org/presentationml/2006/main">
+  <p:cSld>
+    <p:spTree>
+      <p:nvGrpSpPr>
+        <p:cNvPr id="1" name=""/>
+        <p:cNvGrpSpPr/>
+        <p:nvPr/>
+      </p:nvGrpSpPr>
+      <p:grpSpPr>
+        <a:xfrm>
+          <a:off x="0" y="0"/>
+          <a:ext cx="0" cy="0"/>
+          <a:chOff x="0" y="0"/>
+          <a:chExt cx="0" cy="0"/>
+        </a:xfrm>
+      </p:grpSpPr>
+      <p:sp>
+        <p:nvSpPr>
+          <p:cNvPr id="2" name="Title 1"/>
+          <p:cNvSpPr>
+            <a:spLocks noGrp="1"/>
+          </p:cNvSpPr>
+          <p:nvPr>
+            <p:ph type="title"/>
+          </p:nvPr>
+        </p:nvSpPr>
+        <p:spPr/>
+        <p:txBody>
+          <a:bodyPr/>
+          <a:lstStyle/>
+          <a:p>
+            <a:r>
+              <a:rPr lang="sr-Latn-RS" dirty="0" smtClean="0"/>
+              <a:t>Koraci implementacije</a:t>
+            </a:r>
+            <a:endParaRPr lang="en-US" dirty="0"/>
+          </a:p>
+        </p:txBody>
+      </p:sp>
+      <p:sp>
+        <p:nvSpPr>
+          <p:cNvPr id="3" name="Content Placeholder 2"/>
+          <p:cNvSpPr>
+            <a:spLocks noGrp="1"/>
+          </p:cNvSpPr>
+          <p:nvPr>
+            <p:ph idx="1"/>
+          </p:nvPr>
+        </p:nvSpPr>
+        <p:spPr>
+          <a:xfrm>
+            <a:off x="457200" y="1412776"/>
+            <a:ext cx="8229600" cy="5184576"/>
+          </a:xfrm>
+        </p:spPr>
+        <p:txBody>
+          <a:bodyPr>
+            <a:normAutofit/>
+          </a:bodyPr>
+          <a:lstStyle/>
+          <a:p>
+            <a:r>
+              <a:rPr lang="sr-Latn-RS" dirty="0" smtClean="0"/>
+              <a:t>Na osnovu MNIST obučavajućeg skupa, vršimo obučavanje neuronske mreže</a:t>
+            </a:r>
+          </a:p>
+          <a:p>
+            <a:r>
+              <a:rPr lang="sr-Latn-RS" dirty="0" smtClean="0"/>
+              <a:t>Obučenoj neuronskoj mreži dajemo konkretan primer</a:t>
+            </a:r>
+          </a:p>
+          <a:p>
+            <a:r>
+              <a:rPr lang="sr-Latn-RS" dirty="0" smtClean="0"/>
+              <a:t>Izdvajamo regione od interesa</a:t>
+            </a:r>
+          </a:p>
+          <a:p>
+            <a:r>
+              <a:rPr lang="sr-Latn-RS" dirty="0" smtClean="0"/>
+              <a:t>Neuronska mreža vrši predikciju na osnovu izdvojenih regiona</a:t>
+            </a:r>
+          </a:p>
+          <a:p>
+            <a:r>
+              <a:rPr lang="sr-Latn-RS" dirty="0" smtClean="0"/>
+              <a:t>Rezultat NM koristimo za računanje matematičkog izraza (prioritet operacija)</a:t>
+            </a:r>
+            <a:endParaRPr lang="en-US" dirty="0"/>
+          </a:p>
+        </p:txBody>
+      </p:sp>
+    </p:spTree>
+  </p:cSld>
+  <p:clrMapOvr>
+    <a:masterClrMapping/>
+  </p:clrMapOvr>
+  <p:timing>
+    <p:tnLst>
+      <p:par>
+        <p:cTn id="1" dur="indefinite" restart="never" nodeType="tmRoot"/>
+      </p:par>
+    </p:tnLst>
+  </p:timing>
+</p:sld>
+</file>
+
+<file path=ppt/slides/slide12.xml><?xml version="1.0" encoding="utf-8"?>
+<p:sld xmlns:a="http://schemas.openxmlformats.org/drawingml/2006/main" xmlns:r="http://schemas.openxmlformats.org/officeDocument/2006/relationships" xmlns:p="http://schemas.openxmlformats.org/presentationml/2006/main">
+  <p:cSld>
+    <p:spTree>
+      <p:nvGrpSpPr>
+        <p:cNvPr id="1" name=""/>
+        <p:cNvGrpSpPr/>
+        <p:nvPr/>
+      </p:nvGrpSpPr>
+      <p:grpSpPr>
+        <a:xfrm>
+          <a:off x="0" y="0"/>
+          <a:ext cx="0" cy="0"/>
+          <a:chOff x="0" y="0"/>
+          <a:chExt cx="0" cy="0"/>
+        </a:xfrm>
+      </p:grpSpPr>
+      <p:sp>
+        <p:nvSpPr>
+          <p:cNvPr id="2" name="Title 1"/>
+          <p:cNvSpPr>
+            <a:spLocks noGrp="1"/>
+          </p:cNvSpPr>
+          <p:nvPr>
+            <p:ph type="title"/>
+          </p:nvPr>
+        </p:nvSpPr>
+        <p:spPr/>
+        <p:txBody>
+          <a:bodyPr/>
+          <a:lstStyle/>
+          <a:p>
+            <a:r>
+              <a:rPr lang="sr-Latn-RS" dirty="0" smtClean="0"/>
               <a:t>Slična rešenja</a:t>
             </a:r>
             <a:endParaRPr lang="en-US" dirty="0"/>
@@ -3716,10 +3932,17 @@
   <p:clrMapOvr>
     <a:masterClrMapping/>
   </p:clrMapOvr>
+  <p:timing>
+    <p:tnLst>
+      <p:par>
+        <p:cTn id="1" dur="indefinite" restart="never" nodeType="tmRoot"/>
+      </p:par>
+    </p:tnLst>
+  </p:timing>
 </p:sld>
 </file>
 
-<file path=ppt/slides/slide11.xml><?xml version="1.0" encoding="utf-8"?>
+<file path=ppt/slides/slide13.xml><?xml version="1.0" encoding="utf-8"?>
 <p:sld xmlns:a="http://schemas.openxmlformats.org/drawingml/2006/main" xmlns:r="http://schemas.openxmlformats.org/officeDocument/2006/relationships" xmlns:p="http://schemas.openxmlformats.org/presentationml/2006/main">
   <p:cSld>
     <p:spTree>
@@ -3824,10 +4047,17 @@
   <p:clrMapOvr>
     <a:masterClrMapping/>
   </p:clrMapOvr>
+  <p:timing>
+    <p:tnLst>
+      <p:par>
+        <p:cTn id="1" dur="indefinite" restart="never" nodeType="tmRoot"/>
+      </p:par>
+    </p:tnLst>
+  </p:timing>
 </p:sld>
 </file>
 
-<file path=ppt/slides/slide12.xml><?xml version="1.0" encoding="utf-8"?>
+<file path=ppt/slides/slide14.xml><?xml version="1.0" encoding="utf-8"?>
 <p:sld xmlns:a="http://schemas.openxmlformats.org/drawingml/2006/main" xmlns:r="http://schemas.openxmlformats.org/officeDocument/2006/relationships" xmlns:p="http://schemas.openxmlformats.org/presentationml/2006/main">
   <p:cSld>
     <p:spTree>
@@ -3901,6 +4131,13 @@
   <p:clrMapOvr>
     <a:masterClrMapping/>
   </p:clrMapOvr>
+  <p:timing>
+    <p:tnLst>
+      <p:par>
+        <p:cTn id="1" dur="indefinite" restart="never" nodeType="tmRoot"/>
+      </p:par>
+    </p:tnLst>
+  </p:timing>
 </p:sld>
 </file>
 
@@ -4477,75 +4714,292 @@
         </p:nvSpPr>
         <p:spPr/>
         <p:txBody>
-          <a:bodyPr>
-            <a:normAutofit/>
-          </a:bodyPr>
-          <a:lstStyle/>
-          <a:p>
+          <a:bodyPr/>
+          <a:lstStyle/>
+          <a:p>
+            <a:r>
+              <a:rPr lang="en-US" dirty="0" err="1" smtClean="0"/>
+              <a:t>Upore</a:t>
+            </a:r>
             <a:r>
               <a:rPr lang="sr-Latn-RS" dirty="0" smtClean="0"/>
-              <a:t>Obučavajući skup</a:t>
-            </a:r>
-            <a:br>
-              <a:rPr lang="sr-Latn-RS" dirty="0" smtClean="0"/>
-            </a:br>
-            <a:r>
-              <a:rPr lang="sr-Latn-RS" sz="2400" dirty="0" smtClean="0">
-                <a:solidFill>
-                  <a:schemeClr val="tx1">
-                    <a:lumMod val="50000"/>
-                    <a:lumOff val="50000"/>
-                  </a:schemeClr>
-                </a:solidFill>
-              </a:rPr>
-              <a:t>MNIST dataset</a:t>
-            </a:r>
-            <a:endParaRPr lang="en-US" dirty="0">
-              <a:solidFill>
-                <a:schemeClr val="tx1">
-                  <a:lumMod val="50000"/>
-                  <a:lumOff val="50000"/>
-                </a:schemeClr>
-              </a:solidFill>
-            </a:endParaRPr>
-          </a:p>
-        </p:txBody>
-      </p:sp>
-      <p:sp>
-        <p:nvSpPr>
-          <p:cNvPr id="3" name="Content Placeholder 2"/>
-          <p:cNvSpPr>
-            <a:spLocks noGrp="1"/>
-          </p:cNvSpPr>
+              <a:t>đivanje pristupa obučavanja</a:t>
+            </a:r>
+            <a:endParaRPr lang="en-US" dirty="0"/>
+          </a:p>
+        </p:txBody>
+      </p:sp>
+      <p:graphicFrame>
+        <p:nvGraphicFramePr>
+          <p:cNvPr id="4" name="Content Placeholder 3"/>
+          <p:cNvGraphicFramePr>
+            <a:graphicFrameLocks noGrp="1"/>
+          </p:cNvGraphicFramePr>
           <p:nvPr>
             <p:ph idx="1"/>
           </p:nvPr>
+        </p:nvGraphicFramePr>
+        <p:xfrm>
+          <a:off x="467544" y="1412776"/>
+          <a:ext cx="8229600" cy="4205061"/>
+        </p:xfrm>
+        <a:graphic>
+          <a:graphicData uri="http://schemas.openxmlformats.org/drawingml/2006/table">
+            <a:tbl>
+              <a:tblPr firstRow="1" bandRow="1">
+                <a:tableStyleId>{5C22544A-7EE6-4342-B048-85BDC9FD1C3A}</a:tableStyleId>
+              </a:tblPr>
+              <a:tblGrid>
+                <a:gridCol w="4114800"/>
+                <a:gridCol w="4114800"/>
+              </a:tblGrid>
+              <a:tr h="600723">
+                <a:tc>
+                  <a:txBody>
+                    <a:bodyPr/>
+                    <a:lstStyle/>
+                    <a:p>
+                      <a:r>
+                        <a:rPr lang="sr-Latn-RS" sz="2800" dirty="0" smtClean="0"/>
+                        <a:t>              Klasifikator</a:t>
+                      </a:r>
+                      <a:endParaRPr lang="en-US" sz="2800" dirty="0"/>
+                    </a:p>
+                  </a:txBody>
+                  <a:tcPr/>
+                </a:tc>
+                <a:tc>
+                  <a:txBody>
+                    <a:bodyPr/>
+                    <a:lstStyle/>
+                    <a:p>
+                      <a:r>
+                        <a:rPr lang="sr-Latn-RS" sz="2800" dirty="0" smtClean="0"/>
+                        <a:t>              Greška(%)</a:t>
+                      </a:r>
+                      <a:endParaRPr lang="en-US" sz="2800" dirty="0"/>
+                    </a:p>
+                  </a:txBody>
+                  <a:tcPr/>
+                </a:tc>
+              </a:tr>
+              <a:tr h="600723">
+                <a:tc>
+                  <a:txBody>
+                    <a:bodyPr/>
+                    <a:lstStyle/>
+                    <a:p>
+                      <a:r>
+                        <a:rPr lang="sr-Latn-RS" sz="2800" dirty="0" smtClean="0"/>
+                        <a:t>Convolutional neural nets</a:t>
+                      </a:r>
+                      <a:endParaRPr lang="en-US" sz="2800" dirty="0"/>
+                    </a:p>
+                  </a:txBody>
+                  <a:tcPr/>
+                </a:tc>
+                <a:tc>
+                  <a:txBody>
+                    <a:bodyPr/>
+                    <a:lstStyle/>
+                    <a:p>
+                      <a:r>
+                        <a:rPr lang="sr-Latn-RS" sz="2800" dirty="0" smtClean="0"/>
+                        <a:t>                   0.23</a:t>
+                      </a:r>
+                      <a:endParaRPr lang="en-US" sz="2800" dirty="0"/>
+                    </a:p>
+                  </a:txBody>
+                  <a:tcPr/>
+                </a:tc>
+              </a:tr>
+              <a:tr h="600723">
+                <a:tc>
+                  <a:txBody>
+                    <a:bodyPr/>
+                    <a:lstStyle/>
+                    <a:p>
+                      <a:r>
+                        <a:rPr lang="sr-Latn-RS" sz="2800" dirty="0" smtClean="0"/>
+                        <a:t>K-Nearest neighbour</a:t>
+                      </a:r>
+                      <a:endParaRPr lang="en-US" sz="2800" dirty="0"/>
+                    </a:p>
+                  </a:txBody>
+                  <a:tcPr/>
+                </a:tc>
+                <a:tc>
+                  <a:txBody>
+                    <a:bodyPr/>
+                    <a:lstStyle/>
+                    <a:p>
+                      <a:r>
+                        <a:rPr lang="sr-Latn-RS" sz="2800" dirty="0" smtClean="0"/>
+                        <a:t>                   0.52</a:t>
+                      </a:r>
+                      <a:endParaRPr lang="en-US" sz="2800" dirty="0"/>
+                    </a:p>
+                  </a:txBody>
+                  <a:tcPr/>
+                </a:tc>
+              </a:tr>
+              <a:tr h="600723">
+                <a:tc>
+                  <a:txBody>
+                    <a:bodyPr/>
+                    <a:lstStyle/>
+                    <a:p>
+                      <a:r>
+                        <a:rPr lang="sr-Latn-RS" sz="2800" dirty="0" smtClean="0"/>
+                        <a:t>Support Vector Machines</a:t>
+                      </a:r>
+                      <a:endParaRPr lang="en-US" sz="2800" dirty="0"/>
+                    </a:p>
+                  </a:txBody>
+                  <a:tcPr/>
+                </a:tc>
+                <a:tc>
+                  <a:txBody>
+                    <a:bodyPr/>
+                    <a:lstStyle/>
+                    <a:p>
+                      <a:r>
+                        <a:rPr lang="sr-Latn-RS" sz="2800" dirty="0" smtClean="0"/>
+                        <a:t>                   0.56</a:t>
+                      </a:r>
+                      <a:endParaRPr lang="en-US" sz="2800" dirty="0"/>
+                    </a:p>
+                  </a:txBody>
+                  <a:tcPr/>
+                </a:tc>
+              </a:tr>
+              <a:tr h="600723">
+                <a:tc>
+                  <a:txBody>
+                    <a:bodyPr/>
+                    <a:lstStyle/>
+                    <a:p>
+                      <a:r>
+                        <a:rPr lang="sr-Latn-RS" sz="2800" b="1" dirty="0" smtClean="0"/>
+                        <a:t>Neural networks</a:t>
+                      </a:r>
+                      <a:endParaRPr lang="en-US" sz="2800" b="1" dirty="0"/>
+                    </a:p>
+                  </a:txBody>
+                  <a:tcPr/>
+                </a:tc>
+                <a:tc>
+                  <a:txBody>
+                    <a:bodyPr/>
+                    <a:lstStyle/>
+                    <a:p>
+                      <a:r>
+                        <a:rPr lang="sr-Latn-RS" sz="2800" b="1" dirty="0" smtClean="0"/>
+                        <a:t>                   0.7</a:t>
+                      </a:r>
+                      <a:endParaRPr lang="en-US" sz="2800" b="1" dirty="0"/>
+                    </a:p>
+                  </a:txBody>
+                  <a:tcPr/>
+                </a:tc>
+              </a:tr>
+              <a:tr h="600723">
+                <a:tc>
+                  <a:txBody>
+                    <a:bodyPr/>
+                    <a:lstStyle/>
+                    <a:p>
+                      <a:r>
+                        <a:rPr lang="sr-Latn-RS" sz="2800" dirty="0" smtClean="0"/>
+                        <a:t>Non-Linear classifier</a:t>
+                      </a:r>
+                      <a:endParaRPr lang="en-US" sz="2800" dirty="0"/>
+                    </a:p>
+                  </a:txBody>
+                  <a:tcPr/>
+                </a:tc>
+                <a:tc>
+                  <a:txBody>
+                    <a:bodyPr/>
+                    <a:lstStyle/>
+                    <a:p>
+                      <a:r>
+                        <a:rPr lang="sr-Latn-RS" sz="2800" dirty="0" smtClean="0"/>
+                        <a:t>                   3.3</a:t>
+                      </a:r>
+                      <a:endParaRPr lang="en-US" sz="2800" dirty="0"/>
+                    </a:p>
+                  </a:txBody>
+                  <a:tcPr/>
+                </a:tc>
+              </a:tr>
+              <a:tr h="600723">
+                <a:tc>
+                  <a:txBody>
+                    <a:bodyPr/>
+                    <a:lstStyle/>
+                    <a:p>
+                      <a:r>
+                        <a:rPr lang="sr-Latn-RS" sz="2800" dirty="0" smtClean="0"/>
+                        <a:t>Linear</a:t>
+                      </a:r>
+                      <a:r>
+                        <a:rPr lang="sr-Latn-RS" sz="2800" baseline="0" dirty="0" smtClean="0"/>
+                        <a:t> classifier</a:t>
+                      </a:r>
+                      <a:endParaRPr lang="en-US" sz="2800" dirty="0"/>
+                    </a:p>
+                  </a:txBody>
+                  <a:tcPr/>
+                </a:tc>
+                <a:tc>
+                  <a:txBody>
+                    <a:bodyPr/>
+                    <a:lstStyle/>
+                    <a:p>
+                      <a:r>
+                        <a:rPr lang="sr-Latn-RS" sz="2800" dirty="0" smtClean="0"/>
+                        <a:t>                   7.6</a:t>
+                      </a:r>
+                      <a:endParaRPr lang="en-US" sz="2800" dirty="0"/>
+                    </a:p>
+                  </a:txBody>
+                  <a:tcPr/>
+                </a:tc>
+              </a:tr>
+            </a:tbl>
+          </a:graphicData>
+        </a:graphic>
+      </p:graphicFrame>
+      <p:sp>
+        <p:nvSpPr>
+          <p:cNvPr id="5" name="TextBox 4"/>
+          <p:cNvSpPr txBox="1"/>
+          <p:nvPr/>
         </p:nvSpPr>
         <p:spPr>
           <a:xfrm>
-            <a:off x="457200" y="1772816"/>
-            <a:ext cx="8229600" cy="4353347"/>
+            <a:off x="467544" y="5877272"/>
+            <a:ext cx="7632848" cy="369332"/>
           </a:xfrm>
+          <a:prstGeom prst="rect">
+            <a:avLst/>
+          </a:prstGeom>
+          <a:noFill/>
         </p:spPr>
         <p:txBody>
-          <a:bodyPr/>
-          <a:lstStyle/>
-          <a:p>
+          <a:bodyPr wrap="square" rtlCol="0">
+            <a:spAutoFit/>
+          </a:bodyPr>
+          <a:lstStyle/>
+          <a:p>
+            <a:r>
+              <a:rPr lang="sr-Latn-RS" b="1" u="sng" dirty="0" smtClean="0"/>
+              <a:t>Napomena</a:t>
+            </a:r>
             <a:r>
               <a:rPr lang="sr-Latn-RS" dirty="0" smtClean="0"/>
-              <a:t>Za obučavanje neuronske mreže na ovom projektu ću koristiti MNIST dataset</a:t>
-            </a:r>
-          </a:p>
-          <a:p>
-            <a:r>
-              <a:rPr lang="sr-Latn-RS" dirty="0" smtClean="0"/>
-              <a:t>MNIST predstavlja skup od 60.000 primera ručno pisanih cifara(6.000 primera za svaku cifru) i 10.000 test primera</a:t>
-            </a:r>
-          </a:p>
-          <a:p>
-            <a:r>
-              <a:rPr lang="sr-Latn-RS" dirty="0" smtClean="0"/>
-              <a:t>Svaka cifra je predstavljena kao gray image sa dimenzijama 28x28</a:t>
+              <a:t>: Ove vrednosti važe ako se koristi MNIST obučavajući skup</a:t>
             </a:r>
             <a:endParaRPr lang="en-US" dirty="0"/>
           </a:p>
@@ -4593,42 +5047,60 @@
             <p:ph type="title"/>
           </p:nvPr>
         </p:nvSpPr>
-        <p:spPr/>
-        <p:txBody>
-          <a:bodyPr/>
-          <a:lstStyle/>
-          <a:p>
-            <a:r>
-              <a:rPr lang="sr-Latn-RS" dirty="0" smtClean="0"/>
-              <a:t>MNIST dataset</a:t>
-            </a:r>
-            <a:endParaRPr lang="en-US" dirty="0"/>
-          </a:p>
-        </p:txBody>
-      </p:sp>
-      <p:pic>
-        <p:nvPicPr>
-          <p:cNvPr id="4" name="Content Placeholder 3" descr="mnistdigits.gif"/>
-          <p:cNvPicPr>
-            <a:picLocks noGrp="1" noChangeAspect="1"/>
-          </p:cNvPicPr>
-          <p:nvPr>
-            <p:ph idx="1"/>
-          </p:nvPr>
-        </p:nvPicPr>
-        <p:blipFill>
-          <a:blip r:embed="rId2" cstate="print"/>
-          <a:stretch>
-            <a:fillRect/>
-          </a:stretch>
-        </p:blipFill>
         <p:spPr>
           <a:xfrm>
-            <a:off x="1790700" y="2020094"/>
-            <a:ext cx="5562600" cy="3686175"/>
+            <a:off x="467544" y="0"/>
+            <a:ext cx="8229600" cy="1143000"/>
           </a:xfrm>
         </p:spPr>
-      </p:pic>
+        <p:txBody>
+          <a:bodyPr/>
+          <a:lstStyle/>
+          <a:p>
+            <a:r>
+              <a:rPr lang="sr-Latn-RS" dirty="0" smtClean="0"/>
+              <a:t>Odabir pristupa obučavanja</a:t>
+            </a:r>
+            <a:endParaRPr lang="en-US" dirty="0"/>
+          </a:p>
+        </p:txBody>
+      </p:sp>
+      <p:sp>
+        <p:nvSpPr>
+          <p:cNvPr id="3" name="Content Placeholder 2"/>
+          <p:cNvSpPr>
+            <a:spLocks noGrp="1"/>
+          </p:cNvSpPr>
+          <p:nvPr>
+            <p:ph idx="1"/>
+          </p:nvPr>
+        </p:nvSpPr>
+        <p:spPr>
+          <a:xfrm>
+            <a:off x="457200" y="1052736"/>
+            <a:ext cx="8229600" cy="5616624"/>
+          </a:xfrm>
+        </p:spPr>
+        <p:txBody>
+          <a:bodyPr>
+            <a:normAutofit/>
+          </a:bodyPr>
+          <a:lstStyle/>
+          <a:p>
+            <a:r>
+              <a:rPr lang="sr-Latn-RS" dirty="0" smtClean="0"/>
+              <a:t>Iz predhodne tabele vidimo da se najmanja greška dobija korišćenjem konvolutivnih neuronskih mreža, ali SVM, K-NN i neuronske mreže takođe daju rezultat sa jako malom greškom(rezlika nije čak ni 1%).</a:t>
+            </a:r>
+          </a:p>
+          <a:p>
+            <a:r>
+              <a:rPr lang="sr-Latn-RS" dirty="0" smtClean="0"/>
+              <a:t>Za rešavanje ovog problema koristiću neuronske mreže jer sam ih naučio na vežbama, a takođe vidimo da korišćenjem neuronskih mreža dobijamo korektno rešenje uz malu grešku, odn. nije velika razlika u odnosu na konvolutivne neuronske mreže.</a:t>
+            </a:r>
+            <a:endParaRPr lang="en-US" dirty="0"/>
+          </a:p>
+        </p:txBody>
+      </p:sp>
     </p:spTree>
   </p:cSld>
   <p:clrMapOvr>
@@ -4673,34 +5145,6 @@
         </p:nvSpPr>
         <p:spPr/>
         <p:txBody>
-          <a:bodyPr/>
-          <a:lstStyle/>
-          <a:p>
-            <a:r>
-              <a:rPr lang="sr-Latn-RS" dirty="0" smtClean="0"/>
-              <a:t>Koraci implementacije</a:t>
-            </a:r>
-            <a:endParaRPr lang="en-US" dirty="0"/>
-          </a:p>
-        </p:txBody>
-      </p:sp>
-      <p:sp>
-        <p:nvSpPr>
-          <p:cNvPr id="3" name="Content Placeholder 2"/>
-          <p:cNvSpPr>
-            <a:spLocks noGrp="1"/>
-          </p:cNvSpPr>
-          <p:nvPr>
-            <p:ph idx="1"/>
-          </p:nvPr>
-        </p:nvSpPr>
-        <p:spPr>
-          <a:xfrm>
-            <a:off x="457200" y="1412776"/>
-            <a:ext cx="8229600" cy="5184576"/>
-          </a:xfrm>
-        </p:spPr>
-        <p:txBody>
           <a:bodyPr>
             <a:normAutofit/>
           </a:bodyPr>
@@ -4708,31 +5152,68 @@
           <a:p>
             <a:r>
               <a:rPr lang="sr-Latn-RS" dirty="0" smtClean="0"/>
-              <a:t>Na osnovu MNIST obučavajućeg skupa, vršimo obučavanje neuronske mreže</a:t>
-            </a:r>
-          </a:p>
-          <a:p>
-            <a:r>
+              <a:t>Obučavajući skup</a:t>
+            </a:r>
+            <a:br>
               <a:rPr lang="sr-Latn-RS" dirty="0" smtClean="0"/>
-              <a:t>Obučenoj neuronskoj mreži dajemo konkretan primer</a:t>
-            </a:r>
-          </a:p>
+            </a:br>
+            <a:r>
+              <a:rPr lang="sr-Latn-RS" sz="2400" dirty="0" smtClean="0">
+                <a:solidFill>
+                  <a:schemeClr val="tx1">
+                    <a:lumMod val="50000"/>
+                    <a:lumOff val="50000"/>
+                  </a:schemeClr>
+                </a:solidFill>
+              </a:rPr>
+              <a:t>MNIST dataset</a:t>
+            </a:r>
+            <a:endParaRPr lang="en-US" dirty="0">
+              <a:solidFill>
+                <a:schemeClr val="tx1">
+                  <a:lumMod val="50000"/>
+                  <a:lumOff val="50000"/>
+                </a:schemeClr>
+              </a:solidFill>
+            </a:endParaRPr>
+          </a:p>
+        </p:txBody>
+      </p:sp>
+      <p:sp>
+        <p:nvSpPr>
+          <p:cNvPr id="3" name="Content Placeholder 2"/>
+          <p:cNvSpPr>
+            <a:spLocks noGrp="1"/>
+          </p:cNvSpPr>
+          <p:nvPr>
+            <p:ph idx="1"/>
+          </p:nvPr>
+        </p:nvSpPr>
+        <p:spPr>
+          <a:xfrm>
+            <a:off x="457200" y="1772816"/>
+            <a:ext cx="8229600" cy="4353347"/>
+          </a:xfrm>
+        </p:spPr>
+        <p:txBody>
+          <a:bodyPr/>
+          <a:lstStyle/>
           <a:p>
             <a:r>
               <a:rPr lang="sr-Latn-RS" dirty="0" smtClean="0"/>
-              <a:t>Izdvajamo regione od interesa</a:t>
+              <a:t>Za obučavanje neuronske mreže na ovom projektu ću koristiti MNIST dataset</a:t>
             </a:r>
           </a:p>
           <a:p>
             <a:r>
               <a:rPr lang="sr-Latn-RS" dirty="0" smtClean="0"/>
-              <a:t>Neuronska mreža vrši predikciju na osnovu izdvojenih regiona</a:t>
+              <a:t>MNIST predstavlja skup od 60.000 primera ručno pisanih cifara(6.000 primera za svaku cifru) i 10.000 test primera</a:t>
             </a:r>
           </a:p>
           <a:p>
             <a:r>
               <a:rPr lang="sr-Latn-RS" dirty="0" smtClean="0"/>
-              <a:t>Rezultat NM koristimo za računanje matematičkog izraza (prioritet operacija)</a:t>
+              <a:t>Svaka cifra je predstavljena kao gray image sa dimenzijama 28x28</a:t>
             </a:r>
             <a:endParaRPr lang="en-US" dirty="0"/>
           </a:p>
